--- a/Webinar/31 UpGrad - Expert Hacks - How to crack the Data Science Interview/Expert Hacks - Cracking the Data Science Interviews.pptx
+++ b/Webinar/31 UpGrad - Expert Hacks - How to crack the Data Science Interview/Expert Hacks - Cracking the Data Science Interviews.pptx
@@ -20566,7 +20566,7 @@
         </p:blipFill>
         <p:spPr>
           <a:xfrm>
-            <a:off x="19026" y="2055375"/>
+            <a:off x="46464" y="2072960"/>
             <a:ext cx="12145536" cy="3061478"/>
           </a:xfrm>
           <a:prstGeom prst="rect">
